--- a/2021/3月.pptx
+++ b/2021/3月.pptx
@@ -6,7 +6,8 @@
   </p:sldMasterIdLst>
   <p:sldIdLst>
     <p:sldId id="257" r:id="rId2"/>
-    <p:sldId id="258" r:id="rId3"/>
+    <p:sldId id="259" r:id="rId3"/>
+    <p:sldId id="258" r:id="rId4"/>
   </p:sldIdLst>
   <p:sldSz cx="12192000" cy="6858000"/>
   <p:notesSz cx="6858000" cy="9144000"/>
@@ -107,7 +108,7 @@
   </p:defaultTextStyle>
   <p:extLst>
     <p:ext uri="{EFAFB233-063F-42B5-8137-9DF3F51BA10A}">
-      <p15:sldGuideLst xmlns:p15="http://schemas.microsoft.com/office/powerpoint/2012/main"/>
+      <p15:sldGuideLst xmlns:p15="http://schemas.microsoft.com/office/powerpoint/2012/main" xmlns=""/>
     </p:ext>
   </p:extLst>
 </p:presentation>
@@ -294,7 +295,8 @@
           <a:p>
             <a:fld id="{B7F15EA8-04A9-4606-B4D5-6B0F3E370899}" type="datetimeFigureOut">
               <a:rPr lang="vi-VN" smtClean="0"/>
-              <a:t>20/06/2020</a:t>
+              <a:pPr/>
+              <a:t>21/03/2021</a:t>
             </a:fld>
             <a:endParaRPr lang="vi-VN"/>
           </a:p>
@@ -336,6 +338,7 @@
           <a:p>
             <a:fld id="{75D47C2D-D995-4DAA-BD7D-06DF08FFB358}" type="slidenum">
               <a:rPr lang="vi-VN" smtClean="0"/>
+              <a:pPr/>
               <a:t>‹#›</a:t>
             </a:fld>
             <a:endParaRPr lang="vi-VN"/>
@@ -345,7 +348,7 @@
     </p:spTree>
     <p:extLst>
       <p:ext uri="{BB962C8B-B14F-4D97-AF65-F5344CB8AC3E}">
-        <p14:creationId xmlns:p14="http://schemas.microsoft.com/office/powerpoint/2010/main" val="348914835"/>
+        <p14:creationId xmlns:p14="http://schemas.microsoft.com/office/powerpoint/2010/main" xmlns="" val="348914835"/>
       </p:ext>
     </p:extLst>
   </p:cSld>
@@ -464,7 +467,8 @@
           <a:p>
             <a:fld id="{B7F15EA8-04A9-4606-B4D5-6B0F3E370899}" type="datetimeFigureOut">
               <a:rPr lang="vi-VN" smtClean="0"/>
-              <a:t>20/06/2020</a:t>
+              <a:pPr/>
+              <a:t>21/03/2021</a:t>
             </a:fld>
             <a:endParaRPr lang="vi-VN"/>
           </a:p>
@@ -506,6 +510,7 @@
           <a:p>
             <a:fld id="{75D47C2D-D995-4DAA-BD7D-06DF08FFB358}" type="slidenum">
               <a:rPr lang="vi-VN" smtClean="0"/>
+              <a:pPr/>
               <a:t>‹#›</a:t>
             </a:fld>
             <a:endParaRPr lang="vi-VN"/>
@@ -515,7 +520,7 @@
     </p:spTree>
     <p:extLst>
       <p:ext uri="{BB962C8B-B14F-4D97-AF65-F5344CB8AC3E}">
-        <p14:creationId xmlns:p14="http://schemas.microsoft.com/office/powerpoint/2010/main" val="3245510052"/>
+        <p14:creationId xmlns:p14="http://schemas.microsoft.com/office/powerpoint/2010/main" xmlns="" val="3245510052"/>
       </p:ext>
     </p:extLst>
   </p:cSld>
@@ -644,7 +649,8 @@
           <a:p>
             <a:fld id="{B7F15EA8-04A9-4606-B4D5-6B0F3E370899}" type="datetimeFigureOut">
               <a:rPr lang="vi-VN" smtClean="0"/>
-              <a:t>20/06/2020</a:t>
+              <a:pPr/>
+              <a:t>21/03/2021</a:t>
             </a:fld>
             <a:endParaRPr lang="vi-VN"/>
           </a:p>
@@ -686,6 +692,7 @@
           <a:p>
             <a:fld id="{75D47C2D-D995-4DAA-BD7D-06DF08FFB358}" type="slidenum">
               <a:rPr lang="vi-VN" smtClean="0"/>
+              <a:pPr/>
               <a:t>‹#›</a:t>
             </a:fld>
             <a:endParaRPr lang="vi-VN"/>
@@ -695,7 +702,7 @@
     </p:spTree>
     <p:extLst>
       <p:ext uri="{BB962C8B-B14F-4D97-AF65-F5344CB8AC3E}">
-        <p14:creationId xmlns:p14="http://schemas.microsoft.com/office/powerpoint/2010/main" val="10220295"/>
+        <p14:creationId xmlns:p14="http://schemas.microsoft.com/office/powerpoint/2010/main" xmlns="" val="10220295"/>
       </p:ext>
     </p:extLst>
   </p:cSld>
@@ -814,7 +821,8 @@
           <a:p>
             <a:fld id="{B7F15EA8-04A9-4606-B4D5-6B0F3E370899}" type="datetimeFigureOut">
               <a:rPr lang="vi-VN" smtClean="0"/>
-              <a:t>20/06/2020</a:t>
+              <a:pPr/>
+              <a:t>21/03/2021</a:t>
             </a:fld>
             <a:endParaRPr lang="vi-VN"/>
           </a:p>
@@ -856,6 +864,7 @@
           <a:p>
             <a:fld id="{75D47C2D-D995-4DAA-BD7D-06DF08FFB358}" type="slidenum">
               <a:rPr lang="vi-VN" smtClean="0"/>
+              <a:pPr/>
               <a:t>‹#›</a:t>
             </a:fld>
             <a:endParaRPr lang="vi-VN"/>
@@ -865,7 +874,7 @@
     </p:spTree>
     <p:extLst>
       <p:ext uri="{BB962C8B-B14F-4D97-AF65-F5344CB8AC3E}">
-        <p14:creationId xmlns:p14="http://schemas.microsoft.com/office/powerpoint/2010/main" val="594928714"/>
+        <p14:creationId xmlns:p14="http://schemas.microsoft.com/office/powerpoint/2010/main" xmlns="" val="594928714"/>
       </p:ext>
     </p:extLst>
   </p:cSld>
@@ -1060,7 +1069,8 @@
           <a:p>
             <a:fld id="{B7F15EA8-04A9-4606-B4D5-6B0F3E370899}" type="datetimeFigureOut">
               <a:rPr lang="vi-VN" smtClean="0"/>
-              <a:t>20/06/2020</a:t>
+              <a:pPr/>
+              <a:t>21/03/2021</a:t>
             </a:fld>
             <a:endParaRPr lang="vi-VN"/>
           </a:p>
@@ -1102,6 +1112,7 @@
           <a:p>
             <a:fld id="{75D47C2D-D995-4DAA-BD7D-06DF08FFB358}" type="slidenum">
               <a:rPr lang="vi-VN" smtClean="0"/>
+              <a:pPr/>
               <a:t>‹#›</a:t>
             </a:fld>
             <a:endParaRPr lang="vi-VN"/>
@@ -1111,7 +1122,7 @@
     </p:spTree>
     <p:extLst>
       <p:ext uri="{BB962C8B-B14F-4D97-AF65-F5344CB8AC3E}">
-        <p14:creationId xmlns:p14="http://schemas.microsoft.com/office/powerpoint/2010/main" val="3927249767"/>
+        <p14:creationId xmlns:p14="http://schemas.microsoft.com/office/powerpoint/2010/main" xmlns="" val="3927249767"/>
       </p:ext>
     </p:extLst>
   </p:cSld>
@@ -1348,7 +1359,8 @@
           <a:p>
             <a:fld id="{B7F15EA8-04A9-4606-B4D5-6B0F3E370899}" type="datetimeFigureOut">
               <a:rPr lang="vi-VN" smtClean="0"/>
-              <a:t>20/06/2020</a:t>
+              <a:pPr/>
+              <a:t>21/03/2021</a:t>
             </a:fld>
             <a:endParaRPr lang="vi-VN"/>
           </a:p>
@@ -1390,6 +1402,7 @@
           <a:p>
             <a:fld id="{75D47C2D-D995-4DAA-BD7D-06DF08FFB358}" type="slidenum">
               <a:rPr lang="vi-VN" smtClean="0"/>
+              <a:pPr/>
               <a:t>‹#›</a:t>
             </a:fld>
             <a:endParaRPr lang="vi-VN"/>
@@ -1399,7 +1412,7 @@
     </p:spTree>
     <p:extLst>
       <p:ext uri="{BB962C8B-B14F-4D97-AF65-F5344CB8AC3E}">
-        <p14:creationId xmlns:p14="http://schemas.microsoft.com/office/powerpoint/2010/main" val="643603078"/>
+        <p14:creationId xmlns:p14="http://schemas.microsoft.com/office/powerpoint/2010/main" xmlns="" val="643603078"/>
       </p:ext>
     </p:extLst>
   </p:cSld>
@@ -1770,7 +1783,8 @@
           <a:p>
             <a:fld id="{B7F15EA8-04A9-4606-B4D5-6B0F3E370899}" type="datetimeFigureOut">
               <a:rPr lang="vi-VN" smtClean="0"/>
-              <a:t>20/06/2020</a:t>
+              <a:pPr/>
+              <a:t>21/03/2021</a:t>
             </a:fld>
             <a:endParaRPr lang="vi-VN"/>
           </a:p>
@@ -1812,6 +1826,7 @@
           <a:p>
             <a:fld id="{75D47C2D-D995-4DAA-BD7D-06DF08FFB358}" type="slidenum">
               <a:rPr lang="vi-VN" smtClean="0"/>
+              <a:pPr/>
               <a:t>‹#›</a:t>
             </a:fld>
             <a:endParaRPr lang="vi-VN"/>
@@ -1821,7 +1836,7 @@
     </p:spTree>
     <p:extLst>
       <p:ext uri="{BB962C8B-B14F-4D97-AF65-F5344CB8AC3E}">
-        <p14:creationId xmlns:p14="http://schemas.microsoft.com/office/powerpoint/2010/main" val="493178125"/>
+        <p14:creationId xmlns:p14="http://schemas.microsoft.com/office/powerpoint/2010/main" xmlns="" val="493178125"/>
       </p:ext>
     </p:extLst>
   </p:cSld>
@@ -1888,7 +1903,8 @@
           <a:p>
             <a:fld id="{B7F15EA8-04A9-4606-B4D5-6B0F3E370899}" type="datetimeFigureOut">
               <a:rPr lang="vi-VN" smtClean="0"/>
-              <a:t>20/06/2020</a:t>
+              <a:pPr/>
+              <a:t>21/03/2021</a:t>
             </a:fld>
             <a:endParaRPr lang="vi-VN"/>
           </a:p>
@@ -1930,6 +1946,7 @@
           <a:p>
             <a:fld id="{75D47C2D-D995-4DAA-BD7D-06DF08FFB358}" type="slidenum">
               <a:rPr lang="vi-VN" smtClean="0"/>
+              <a:pPr/>
               <a:t>‹#›</a:t>
             </a:fld>
             <a:endParaRPr lang="vi-VN"/>
@@ -1939,7 +1956,7 @@
     </p:spTree>
     <p:extLst>
       <p:ext uri="{BB962C8B-B14F-4D97-AF65-F5344CB8AC3E}">
-        <p14:creationId xmlns:p14="http://schemas.microsoft.com/office/powerpoint/2010/main" val="3723522010"/>
+        <p14:creationId xmlns:p14="http://schemas.microsoft.com/office/powerpoint/2010/main" xmlns="" val="3723522010"/>
       </p:ext>
     </p:extLst>
   </p:cSld>
@@ -1983,7 +2000,8 @@
           <a:p>
             <a:fld id="{B7F15EA8-04A9-4606-B4D5-6B0F3E370899}" type="datetimeFigureOut">
               <a:rPr lang="vi-VN" smtClean="0"/>
-              <a:t>20/06/2020</a:t>
+              <a:pPr/>
+              <a:t>21/03/2021</a:t>
             </a:fld>
             <a:endParaRPr lang="vi-VN"/>
           </a:p>
@@ -2025,6 +2043,7 @@
           <a:p>
             <a:fld id="{75D47C2D-D995-4DAA-BD7D-06DF08FFB358}" type="slidenum">
               <a:rPr lang="vi-VN" smtClean="0"/>
+              <a:pPr/>
               <a:t>‹#›</a:t>
             </a:fld>
             <a:endParaRPr lang="vi-VN"/>
@@ -2034,7 +2053,7 @@
     </p:spTree>
     <p:extLst>
       <p:ext uri="{BB962C8B-B14F-4D97-AF65-F5344CB8AC3E}">
-        <p14:creationId xmlns:p14="http://schemas.microsoft.com/office/powerpoint/2010/main" val="3598625456"/>
+        <p14:creationId xmlns:p14="http://schemas.microsoft.com/office/powerpoint/2010/main" xmlns="" val="3598625456"/>
       </p:ext>
     </p:extLst>
   </p:cSld>
@@ -2260,7 +2279,8 @@
           <a:p>
             <a:fld id="{B7F15EA8-04A9-4606-B4D5-6B0F3E370899}" type="datetimeFigureOut">
               <a:rPr lang="vi-VN" smtClean="0"/>
-              <a:t>20/06/2020</a:t>
+              <a:pPr/>
+              <a:t>21/03/2021</a:t>
             </a:fld>
             <a:endParaRPr lang="vi-VN"/>
           </a:p>
@@ -2302,6 +2322,7 @@
           <a:p>
             <a:fld id="{75D47C2D-D995-4DAA-BD7D-06DF08FFB358}" type="slidenum">
               <a:rPr lang="vi-VN" smtClean="0"/>
+              <a:pPr/>
               <a:t>‹#›</a:t>
             </a:fld>
             <a:endParaRPr lang="vi-VN"/>
@@ -2311,7 +2332,7 @@
     </p:spTree>
     <p:extLst>
       <p:ext uri="{BB962C8B-B14F-4D97-AF65-F5344CB8AC3E}">
-        <p14:creationId xmlns:p14="http://schemas.microsoft.com/office/powerpoint/2010/main" val="4276436753"/>
+        <p14:creationId xmlns:p14="http://schemas.microsoft.com/office/powerpoint/2010/main" xmlns="" val="4276436753"/>
       </p:ext>
     </p:extLst>
   </p:cSld>
@@ -2517,7 +2538,8 @@
           <a:p>
             <a:fld id="{B7F15EA8-04A9-4606-B4D5-6B0F3E370899}" type="datetimeFigureOut">
               <a:rPr lang="vi-VN" smtClean="0"/>
-              <a:t>20/06/2020</a:t>
+              <a:pPr/>
+              <a:t>21/03/2021</a:t>
             </a:fld>
             <a:endParaRPr lang="vi-VN"/>
           </a:p>
@@ -2559,6 +2581,7 @@
           <a:p>
             <a:fld id="{75D47C2D-D995-4DAA-BD7D-06DF08FFB358}" type="slidenum">
               <a:rPr lang="vi-VN" smtClean="0"/>
+              <a:pPr/>
               <a:t>‹#›</a:t>
             </a:fld>
             <a:endParaRPr lang="vi-VN"/>
@@ -2568,7 +2591,7 @@
     </p:spTree>
     <p:extLst>
       <p:ext uri="{BB962C8B-B14F-4D97-AF65-F5344CB8AC3E}">
-        <p14:creationId xmlns:p14="http://schemas.microsoft.com/office/powerpoint/2010/main" val="2661487769"/>
+        <p14:creationId xmlns:p14="http://schemas.microsoft.com/office/powerpoint/2010/main" xmlns="" val="2661487769"/>
       </p:ext>
     </p:extLst>
   </p:cSld>
@@ -2735,7 +2758,8 @@
           <a:p>
             <a:fld id="{B7F15EA8-04A9-4606-B4D5-6B0F3E370899}" type="datetimeFigureOut">
               <a:rPr lang="vi-VN" smtClean="0"/>
-              <a:t>20/06/2020</a:t>
+              <a:pPr/>
+              <a:t>21/03/2021</a:t>
             </a:fld>
             <a:endParaRPr lang="vi-VN"/>
           </a:p>
@@ -2813,6 +2837,7 @@
           <a:p>
             <a:fld id="{75D47C2D-D995-4DAA-BD7D-06DF08FFB358}" type="slidenum">
               <a:rPr lang="vi-VN" smtClean="0"/>
+              <a:pPr/>
               <a:t>‹#›</a:t>
             </a:fld>
             <a:endParaRPr lang="vi-VN"/>
@@ -2822,7 +2847,7 @@
     </p:spTree>
     <p:extLst>
       <p:ext uri="{BB962C8B-B14F-4D97-AF65-F5344CB8AC3E}">
-        <p14:creationId xmlns:p14="http://schemas.microsoft.com/office/powerpoint/2010/main" val="747118823"/>
+        <p14:creationId xmlns:p14="http://schemas.microsoft.com/office/powerpoint/2010/main" xmlns="" val="747118823"/>
       </p:ext>
     </p:extLst>
   </p:cSld>
@@ -3238,13 +3263,20 @@
     </p:spTree>
     <p:extLst>
       <p:ext uri="{BB962C8B-B14F-4D97-AF65-F5344CB8AC3E}">
-        <p14:creationId xmlns:p14="http://schemas.microsoft.com/office/powerpoint/2010/main" val="170185652"/>
+        <p14:creationId xmlns:p14="http://schemas.microsoft.com/office/powerpoint/2010/main" xmlns="" val="170185652"/>
       </p:ext>
     </p:extLst>
   </p:cSld>
   <p:clrMapOvr>
     <a:masterClrMapping/>
   </p:clrMapOvr>
+  <p:timing>
+    <p:tnLst>
+      <p:par>
+        <p:cTn id="1" dur="indefinite" restart="never" nodeType="tmRoot"/>
+      </p:par>
+    </p:tnLst>
+  </p:timing>
 </p:sld>
 </file>
 
@@ -3321,70 +3353,28 @@
                 <a:latin typeface="Microsoft JhengHei" panose="020B0604030504040204" pitchFamily="34" charset="-120"/>
                 <a:ea typeface="Microsoft JhengHei" panose="020B0604030504040204" pitchFamily="34" charset="-120"/>
               </a:rPr>
-              <a:t>比天高</a:t>
-            </a:r>
-            <a:r>
-              <a:rPr lang="en-US" altLang="zh-TW" sz="5400" b="1" dirty="0">
-                <a:latin typeface="Microsoft JhengHei" panose="020B0604030504040204" pitchFamily="34" charset="-120"/>
-                <a:ea typeface="Microsoft JhengHei" panose="020B0604030504040204" pitchFamily="34" charset="-120"/>
-              </a:rPr>
-              <a:t>(</a:t>
+              <a:t>比天</a:t>
+            </a:r>
+            <a:r>
+              <a:rPr lang="zh-TW" altLang="en-US" sz="5400" b="1" dirty="0" smtClean="0">
+                <a:latin typeface="Microsoft JhengHei" panose="020B0604030504040204" pitchFamily="34" charset="-120"/>
+                <a:ea typeface="Microsoft JhengHei" panose="020B0604030504040204" pitchFamily="34" charset="-120"/>
+              </a:rPr>
+              <a:t>高  比</a:t>
             </a:r>
             <a:r>
               <a:rPr lang="zh-TW" altLang="en-US" sz="5400" b="1" dirty="0">
                 <a:latin typeface="Microsoft JhengHei" panose="020B0604030504040204" pitchFamily="34" charset="-120"/>
                 <a:ea typeface="Microsoft JhengHei" panose="020B0604030504040204" pitchFamily="34" charset="-120"/>
               </a:rPr>
-              <a:t>還看山嶺</a:t>
-            </a:r>
-            <a:r>
-              <a:rPr lang="en-US" altLang="zh-TW" sz="5400" b="1" dirty="0" smtClean="0">
-                <a:latin typeface="Microsoft JhengHei" panose="020B0604030504040204" pitchFamily="34" charset="-120"/>
-                <a:ea typeface="Microsoft JhengHei" panose="020B0604030504040204" pitchFamily="34" charset="-120"/>
-              </a:rPr>
-              <a:t>)</a:t>
-            </a:r>
-            <a:r>
-              <a:rPr lang="zh-TW" altLang="en-US" sz="5400" b="1" dirty="0">
-                <a:latin typeface="Microsoft JhengHei" panose="020B0604030504040204" pitchFamily="34" charset="-120"/>
-                <a:ea typeface="Microsoft JhengHei" panose="020B0604030504040204" pitchFamily="34" charset="-120"/>
-              </a:rPr>
-              <a:t> </a:t>
+              <a:t>海</a:t>
             </a:r>
             <a:r>
               <a:rPr lang="zh-TW" altLang="en-US" sz="5400" b="1" dirty="0" smtClean="0">
                 <a:latin typeface="Microsoft JhengHei" panose="020B0604030504040204" pitchFamily="34" charset="-120"/>
                 <a:ea typeface="Microsoft JhengHei" panose="020B0604030504040204" pitchFamily="34" charset="-120"/>
               </a:rPr>
-              <a:t> 比</a:t>
-            </a:r>
-            <a:r>
-              <a:rPr lang="zh-TW" altLang="en-US" sz="5400" b="1" dirty="0">
-                <a:latin typeface="Microsoft JhengHei" panose="020B0604030504040204" pitchFamily="34" charset="-120"/>
-                <a:ea typeface="Microsoft JhengHei" panose="020B0604030504040204" pitchFamily="34" charset="-120"/>
-              </a:rPr>
-              <a:t>海深</a:t>
-            </a:r>
-            <a:r>
-              <a:rPr lang="en-US" altLang="zh-TW" sz="5400" b="1" dirty="0">
-                <a:latin typeface="Microsoft JhengHei" panose="020B0604030504040204" pitchFamily="34" charset="-120"/>
-                <a:ea typeface="Microsoft JhengHei" panose="020B0604030504040204" pitchFamily="34" charset="-120"/>
-              </a:rPr>
-              <a:t>(</a:t>
-            </a:r>
-            <a:r>
-              <a:rPr lang="zh-TW" altLang="en-US" sz="5400" b="1" dirty="0">
-                <a:latin typeface="Microsoft JhengHei" panose="020B0604030504040204" pitchFamily="34" charset="-120"/>
-                <a:ea typeface="Microsoft JhengHei" panose="020B0604030504040204" pitchFamily="34" charset="-120"/>
-              </a:rPr>
-              <a:t>還望海浪</a:t>
-            </a:r>
-            <a:r>
-              <a:rPr lang="en-US" altLang="zh-TW" sz="5400" b="1" dirty="0" smtClean="0">
-                <a:latin typeface="Microsoft JhengHei" panose="020B0604030504040204" pitchFamily="34" charset="-120"/>
-                <a:ea typeface="Microsoft JhengHei" panose="020B0604030504040204" pitchFamily="34" charset="-120"/>
-              </a:rPr>
-              <a:t>)</a:t>
+              <a:t>深</a:t>
             </a:r>
             <a:endParaRPr lang="en-US" altLang="zh-TW" sz="5400" b="1" dirty="0">
               <a:latin typeface="Microsoft JhengHei" panose="020B0604030504040204" pitchFamily="34" charset="-120"/>
@@ -3400,51 +3390,42 @@
                 <a:latin typeface="Microsoft JhengHei" panose="020B0604030504040204" pitchFamily="34" charset="-120"/>
                 <a:ea typeface="Microsoft JhengHei" panose="020B0604030504040204" pitchFamily="34" charset="-120"/>
               </a:rPr>
-              <a:t>主的愛</a:t>
+              <a:t>主的</a:t>
+            </a:r>
+            <a:r>
+              <a:rPr lang="zh-TW" altLang="en-US" sz="5400" b="1" dirty="0" smtClean="0">
+                <a:latin typeface="Microsoft JhengHei" panose="020B0604030504040204" pitchFamily="34" charset="-120"/>
+                <a:ea typeface="Microsoft JhengHei" panose="020B0604030504040204" pitchFamily="34" charset="-120"/>
+              </a:rPr>
+              <a:t>愛</a:t>
             </a:r>
             <a:r>
               <a:rPr lang="en-US" altLang="zh-TW" sz="5400" b="1" dirty="0">
                 <a:latin typeface="Microsoft JhengHei" panose="020B0604030504040204" pitchFamily="34" charset="-120"/>
                 <a:ea typeface="Microsoft JhengHei" panose="020B0604030504040204" pitchFamily="34" charset="-120"/>
               </a:rPr>
-              <a:t>(</a:t>
+              <a:t> </a:t>
+            </a:r>
+            <a:r>
+              <a:rPr lang="en-US" altLang="zh-TW" sz="5400" b="1" dirty="0" smtClean="0">
+                <a:latin typeface="Microsoft JhengHei" panose="020B0604030504040204" pitchFamily="34" charset="-120"/>
+                <a:ea typeface="Microsoft JhengHei" panose="020B0604030504040204" pitchFamily="34" charset="-120"/>
+              </a:rPr>
+              <a:t> </a:t>
+            </a:r>
+            <a:r>
+              <a:rPr lang="zh-TW" altLang="en-US" sz="5400" b="1" dirty="0" smtClean="0">
+                <a:latin typeface="Microsoft JhengHei" panose="020B0604030504040204" pitchFamily="34" charset="-120"/>
+                <a:ea typeface="Microsoft JhengHei" panose="020B0604030504040204" pitchFamily="34" charset="-120"/>
+              </a:rPr>
+              <a:t>天天</a:t>
             </a:r>
             <a:r>
               <a:rPr lang="zh-TW" altLang="en-US" sz="5400" b="1" dirty="0">
                 <a:latin typeface="Microsoft JhengHei" panose="020B0604030504040204" pitchFamily="34" charset="-120"/>
                 <a:ea typeface="Microsoft JhengHei" panose="020B0604030504040204" pitchFamily="34" charset="-120"/>
               </a:rPr>
-              <a:t>同在頌讚主愛的永恆</a:t>
-            </a:r>
-            <a:r>
-              <a:rPr lang="en-US" altLang="zh-TW" sz="5400" b="1" dirty="0">
-                <a:latin typeface="Microsoft JhengHei" panose="020B0604030504040204" pitchFamily="34" charset="-120"/>
-                <a:ea typeface="Microsoft JhengHei" panose="020B0604030504040204" pitchFamily="34" charset="-120"/>
-              </a:rPr>
-              <a:t>) </a:t>
-            </a:r>
-            <a:endParaRPr lang="en-US" altLang="zh-TW" sz="5400" b="1" dirty="0" smtClean="0">
-              <a:latin typeface="Microsoft JhengHei" panose="020B0604030504040204" pitchFamily="34" charset="-120"/>
-              <a:ea typeface="Microsoft JhengHei" panose="020B0604030504040204" pitchFamily="34" charset="-120"/>
-            </a:endParaRPr>
-          </a:p>
-          <a:p>
-            <a:pPr marL="0" indent="0" algn="ctr">
-              <a:buNone/>
-            </a:pPr>
-            <a:r>
-              <a:rPr lang="zh-TW" altLang="en-US" sz="5400" b="1" dirty="0" smtClean="0">
-                <a:latin typeface="Microsoft JhengHei" panose="020B0604030504040204" pitchFamily="34" charset="-120"/>
-                <a:ea typeface="Microsoft JhengHei" panose="020B0604030504040204" pitchFamily="34" charset="-120"/>
-              </a:rPr>
-              <a:t>天</a:t>
-            </a:r>
-            <a:r>
-              <a:rPr lang="zh-TW" altLang="en-US" sz="5400" b="1" dirty="0">
-                <a:latin typeface="Microsoft JhengHei" panose="020B0604030504040204" pitchFamily="34" charset="-120"/>
-                <a:ea typeface="Microsoft JhengHei" panose="020B0604030504040204" pitchFamily="34" charset="-120"/>
-              </a:rPr>
-              <a:t>天也都頌</a:t>
+              <a:t>也都頌</a:t>
             </a:r>
             <a:r>
               <a:rPr lang="zh-TW" altLang="en-US" sz="5400" b="1" dirty="0" smtClean="0">
@@ -3467,70 +3448,14 @@
                 <a:latin typeface="Microsoft JhengHei" panose="020B0604030504040204" pitchFamily="34" charset="-120"/>
                 <a:ea typeface="Microsoft JhengHei" panose="020B0604030504040204" pitchFamily="34" charset="-120"/>
               </a:rPr>
-              <a:t>主恩典</a:t>
-            </a:r>
-            <a:r>
-              <a:rPr lang="en-US" altLang="zh-TW" sz="5400" b="1" dirty="0">
-                <a:latin typeface="Microsoft JhengHei" panose="020B0604030504040204" pitchFamily="34" charset="-120"/>
-                <a:ea typeface="Microsoft JhengHei" panose="020B0604030504040204" pitchFamily="34" charset="-120"/>
-              </a:rPr>
-              <a:t>(</a:t>
-            </a:r>
-            <a:r>
-              <a:rPr lang="zh-TW" altLang="en-US" sz="5400" b="1" dirty="0">
-                <a:latin typeface="Microsoft JhengHei" panose="020B0604030504040204" pitchFamily="34" charset="-120"/>
-                <a:ea typeface="Microsoft JhengHei" panose="020B0604030504040204" pitchFamily="34" charset="-120"/>
-              </a:rPr>
-              <a:t>慈愛不變</a:t>
-            </a:r>
-            <a:r>
-              <a:rPr lang="en-US" altLang="zh-TW" sz="5400" b="1" dirty="0" smtClean="0">
-                <a:latin typeface="Microsoft JhengHei" panose="020B0604030504040204" pitchFamily="34" charset="-120"/>
-                <a:ea typeface="Microsoft JhengHei" panose="020B0604030504040204" pitchFamily="34" charset="-120"/>
-              </a:rPr>
-              <a:t>)</a:t>
-            </a:r>
-            <a:r>
-              <a:rPr lang="zh-TW" altLang="en-US" sz="5400" b="1" dirty="0">
-                <a:latin typeface="Microsoft JhengHei" panose="020B0604030504040204" pitchFamily="34" charset="-120"/>
-                <a:ea typeface="Microsoft JhengHei" panose="020B0604030504040204" pitchFamily="34" charset="-120"/>
-              </a:rPr>
-              <a:t> </a:t>
+              <a:t>主</a:t>
             </a:r>
             <a:r>
               <a:rPr lang="zh-TW" altLang="en-US" sz="5400" b="1" dirty="0" smtClean="0">
                 <a:latin typeface="Microsoft JhengHei" panose="020B0604030504040204" pitchFamily="34" charset="-120"/>
                 <a:ea typeface="Microsoft JhengHei" panose="020B0604030504040204" pitchFamily="34" charset="-120"/>
               </a:rPr>
-              <a:t> 不</a:t>
-            </a:r>
-            <a:r>
-              <a:rPr lang="zh-TW" altLang="en-US" sz="5400" b="1" dirty="0">
-                <a:latin typeface="Microsoft JhengHei" panose="020B0604030504040204" pitchFamily="34" charset="-120"/>
-                <a:ea typeface="Microsoft JhengHei" panose="020B0604030504040204" pitchFamily="34" charset="-120"/>
-              </a:rPr>
-              <a:t>捨棄</a:t>
-            </a:r>
-            <a:r>
-              <a:rPr lang="en-US" altLang="zh-TW" sz="5400" b="1" dirty="0">
-                <a:latin typeface="Microsoft JhengHei" panose="020B0604030504040204" pitchFamily="34" charset="-120"/>
-                <a:ea typeface="Microsoft JhengHei" panose="020B0604030504040204" pitchFamily="34" charset="-120"/>
-              </a:rPr>
-              <a:t>(</a:t>
-            </a:r>
-            <a:r>
-              <a:rPr lang="zh-TW" altLang="en-US" sz="5400" b="1" dirty="0">
-                <a:latin typeface="Microsoft JhengHei" panose="020B0604030504040204" pitchFamily="34" charset="-120"/>
-                <a:ea typeface="Microsoft JhengHei" panose="020B0604030504040204" pitchFamily="34" charset="-120"/>
-              </a:rPr>
-              <a:t>憑著信念</a:t>
-            </a:r>
-            <a:r>
-              <a:rPr lang="en-US" altLang="zh-TW" sz="5400" b="1" dirty="0" smtClean="0">
-                <a:latin typeface="Microsoft JhengHei" panose="020B0604030504040204" pitchFamily="34" charset="-120"/>
-                <a:ea typeface="Microsoft JhengHei" panose="020B0604030504040204" pitchFamily="34" charset="-120"/>
-              </a:rPr>
-              <a:t>)</a:t>
+              <a:t>恩典  不捨棄</a:t>
             </a:r>
             <a:endParaRPr lang="en-US" altLang="zh-TW" sz="5400" b="1" dirty="0">
               <a:latin typeface="Microsoft JhengHei" panose="020B0604030504040204" pitchFamily="34" charset="-120"/>
@@ -3546,42 +3471,14 @@
                 <a:latin typeface="Microsoft JhengHei" panose="020B0604030504040204" pitchFamily="34" charset="-120"/>
                 <a:ea typeface="Microsoft JhengHei" panose="020B0604030504040204" pitchFamily="34" charset="-120"/>
               </a:rPr>
-              <a:t>主的愛</a:t>
-            </a:r>
-            <a:r>
-              <a:rPr lang="en-US" altLang="zh-TW" sz="5400" b="1" dirty="0">
-                <a:latin typeface="Microsoft JhengHei" panose="020B0604030504040204" pitchFamily="34" charset="-120"/>
-                <a:ea typeface="Microsoft JhengHei" panose="020B0604030504040204" pitchFamily="34" charset="-120"/>
-              </a:rPr>
-              <a:t>(</a:t>
-            </a:r>
-            <a:r>
-              <a:rPr lang="zh-TW" altLang="en-US" sz="5400" b="1" dirty="0">
-                <a:latin typeface="Microsoft JhengHei" panose="020B0604030504040204" pitchFamily="34" charset="-120"/>
-                <a:ea typeface="Microsoft JhengHei" panose="020B0604030504040204" pitchFamily="34" charset="-120"/>
-              </a:rPr>
-              <a:t>同在頌讚主的愛</a:t>
-            </a:r>
-            <a:r>
-              <a:rPr lang="en-US" altLang="zh-TW" sz="5400" b="1" dirty="0" smtClean="0">
-                <a:latin typeface="Microsoft JhengHei" panose="020B0604030504040204" pitchFamily="34" charset="-120"/>
-                <a:ea typeface="Microsoft JhengHei" panose="020B0604030504040204" pitchFamily="34" charset="-120"/>
-              </a:rPr>
-              <a:t>)</a:t>
-            </a:r>
-            <a:r>
-              <a:rPr lang="zh-TW" altLang="en-US" sz="5400" b="1" dirty="0">
-                <a:latin typeface="Microsoft JhengHei" panose="020B0604030504040204" pitchFamily="34" charset="-120"/>
-                <a:ea typeface="Microsoft JhengHei" panose="020B0604030504040204" pitchFamily="34" charset="-120"/>
-              </a:rPr>
-              <a:t> </a:t>
+              <a:t>主的</a:t>
             </a:r>
             <a:r>
               <a:rPr lang="zh-TW" altLang="en-US" sz="5400" b="1" dirty="0" smtClean="0">
                 <a:latin typeface="Microsoft JhengHei" panose="020B0604030504040204" pitchFamily="34" charset="-120"/>
                 <a:ea typeface="Microsoft JhengHei" panose="020B0604030504040204" pitchFamily="34" charset="-120"/>
               </a:rPr>
-              <a:t> 捨</a:t>
+              <a:t>愛  捨</a:t>
             </a:r>
             <a:r>
               <a:rPr lang="zh-TW" altLang="en-US" sz="5400" b="1" dirty="0">
@@ -3607,13 +3504,396 @@
     </p:spTree>
     <p:extLst>
       <p:ext uri="{BB962C8B-B14F-4D97-AF65-F5344CB8AC3E}">
-        <p14:creationId xmlns:p14="http://schemas.microsoft.com/office/powerpoint/2010/main" val="3797771850"/>
+        <p14:creationId xmlns:p14="http://schemas.microsoft.com/office/powerpoint/2010/main" xmlns="" val="3797771850"/>
       </p:ext>
     </p:extLst>
   </p:cSld>
   <p:clrMapOvr>
     <a:masterClrMapping/>
   </p:clrMapOvr>
+  <p:timing>
+    <p:tnLst>
+      <p:par>
+        <p:cTn id="1" dur="indefinite" restart="never" nodeType="tmRoot"/>
+      </p:par>
+    </p:tnLst>
+  </p:timing>
+</p:sld>
+</file>
+
+<file path=ppt/slides/slide3.xml><?xml version="1.0" encoding="utf-8"?>
+<p:sld xmlns:a="http://schemas.openxmlformats.org/drawingml/2006/main" xmlns:r="http://schemas.openxmlformats.org/officeDocument/2006/relationships" xmlns:p="http://schemas.openxmlformats.org/presentationml/2006/main">
+  <p:cSld>
+    <p:spTree>
+      <p:nvGrpSpPr>
+        <p:cNvPr id="1" name=""/>
+        <p:cNvGrpSpPr/>
+        <p:nvPr/>
+      </p:nvGrpSpPr>
+      <p:grpSpPr>
+        <a:xfrm>
+          <a:off x="0" y="0"/>
+          <a:ext cx="0" cy="0"/>
+          <a:chOff x="0" y="0"/>
+          <a:chExt cx="0" cy="0"/>
+        </a:xfrm>
+      </p:grpSpPr>
+      <p:sp>
+        <p:nvSpPr>
+          <p:cNvPr id="2" name="Title 1"/>
+          <p:cNvSpPr>
+            <a:spLocks noGrp="1"/>
+          </p:cNvSpPr>
+          <p:nvPr>
+            <p:ph type="title"/>
+          </p:nvPr>
+        </p:nvSpPr>
+        <p:spPr/>
+        <p:txBody>
+          <a:bodyPr>
+            <a:normAutofit/>
+          </a:bodyPr>
+          <a:lstStyle/>
+          <a:p>
+            <a:r>
+              <a:rPr lang="zh-CN" altLang="en-US" sz="4800" b="1" dirty="0">
+                <a:latin typeface="Microsoft JhengHei" panose="020B0604030504040204" pitchFamily="34" charset="-120"/>
+                <a:ea typeface="Microsoft JhengHei" panose="020B0604030504040204" pitchFamily="34" charset="-120"/>
+              </a:rPr>
+              <a:t>青草地</a:t>
+            </a:r>
+            <a:endParaRPr lang="vi-VN" sz="4800" b="1" dirty="0">
+              <a:latin typeface="Microsoft JhengHei" panose="020B0604030504040204" pitchFamily="34" charset="-120"/>
+              <a:ea typeface="Microsoft JhengHei" panose="020B0604030504040204" pitchFamily="34" charset="-120"/>
+            </a:endParaRPr>
+          </a:p>
+        </p:txBody>
+      </p:sp>
+      <p:sp>
+        <p:nvSpPr>
+          <p:cNvPr id="3" name="Content Placeholder 2"/>
+          <p:cNvSpPr>
+            <a:spLocks noGrp="1"/>
+          </p:cNvSpPr>
+          <p:nvPr>
+            <p:ph idx="1"/>
+          </p:nvPr>
+        </p:nvSpPr>
+        <p:spPr/>
+        <p:txBody>
+          <a:bodyPr>
+            <a:noAutofit/>
+          </a:bodyPr>
+          <a:lstStyle/>
+          <a:p>
+            <a:pPr marL="0" indent="0" algn="ctr">
+              <a:buNone/>
+            </a:pPr>
+            <a:r>
+              <a:rPr lang="zh-TW" altLang="en-US" sz="5400" b="1" dirty="0">
+                <a:latin typeface="Microsoft JhengHei" panose="020B0604030504040204" pitchFamily="34" charset="-120"/>
+                <a:ea typeface="Microsoft JhengHei" panose="020B0604030504040204" pitchFamily="34" charset="-120"/>
+              </a:rPr>
+              <a:t>比天高</a:t>
+            </a:r>
+            <a:r>
+              <a:rPr lang="en-US" altLang="zh-TW" sz="5400" b="1" dirty="0">
+                <a:latin typeface="Microsoft JhengHei" panose="020B0604030504040204" pitchFamily="34" charset="-120"/>
+                <a:ea typeface="Microsoft JhengHei" panose="020B0604030504040204" pitchFamily="34" charset="-120"/>
+              </a:rPr>
+              <a:t>(</a:t>
+            </a:r>
+            <a:r>
+              <a:rPr lang="zh-TW" altLang="en-US" sz="5400" b="1" dirty="0">
+                <a:latin typeface="Microsoft JhengHei" panose="020B0604030504040204" pitchFamily="34" charset="-120"/>
+                <a:ea typeface="Microsoft JhengHei" panose="020B0604030504040204" pitchFamily="34" charset="-120"/>
+              </a:rPr>
+              <a:t>還看山嶺</a:t>
+            </a:r>
+            <a:r>
+              <a:rPr lang="en-US" altLang="zh-TW" sz="5400" b="1" dirty="0" smtClean="0">
+                <a:latin typeface="Microsoft JhengHei" panose="020B0604030504040204" pitchFamily="34" charset="-120"/>
+                <a:ea typeface="Microsoft JhengHei" panose="020B0604030504040204" pitchFamily="34" charset="-120"/>
+              </a:rPr>
+              <a:t>)</a:t>
+            </a:r>
+            <a:r>
+              <a:rPr lang="zh-TW" altLang="en-US" sz="5400" b="1" dirty="0">
+                <a:latin typeface="Microsoft JhengHei" panose="020B0604030504040204" pitchFamily="34" charset="-120"/>
+                <a:ea typeface="Microsoft JhengHei" panose="020B0604030504040204" pitchFamily="34" charset="-120"/>
+              </a:rPr>
+              <a:t> </a:t>
+            </a:r>
+            <a:r>
+              <a:rPr lang="zh-TW" altLang="en-US" sz="5400" b="1" dirty="0" smtClean="0">
+                <a:latin typeface="Microsoft JhengHei" panose="020B0604030504040204" pitchFamily="34" charset="-120"/>
+                <a:ea typeface="Microsoft JhengHei" panose="020B0604030504040204" pitchFamily="34" charset="-120"/>
+              </a:rPr>
+              <a:t> 比</a:t>
+            </a:r>
+            <a:r>
+              <a:rPr lang="zh-TW" altLang="en-US" sz="5400" b="1" dirty="0">
+                <a:latin typeface="Microsoft JhengHei" panose="020B0604030504040204" pitchFamily="34" charset="-120"/>
+                <a:ea typeface="Microsoft JhengHei" panose="020B0604030504040204" pitchFamily="34" charset="-120"/>
+              </a:rPr>
+              <a:t>海深</a:t>
+            </a:r>
+            <a:r>
+              <a:rPr lang="en-US" altLang="zh-TW" sz="5400" b="1" dirty="0">
+                <a:latin typeface="Microsoft JhengHei" panose="020B0604030504040204" pitchFamily="34" charset="-120"/>
+                <a:ea typeface="Microsoft JhengHei" panose="020B0604030504040204" pitchFamily="34" charset="-120"/>
+              </a:rPr>
+              <a:t>(</a:t>
+            </a:r>
+            <a:r>
+              <a:rPr lang="zh-TW" altLang="en-US" sz="5400" b="1" dirty="0">
+                <a:latin typeface="Microsoft JhengHei" panose="020B0604030504040204" pitchFamily="34" charset="-120"/>
+                <a:ea typeface="Microsoft JhengHei" panose="020B0604030504040204" pitchFamily="34" charset="-120"/>
+              </a:rPr>
+              <a:t>還望海浪</a:t>
+            </a:r>
+            <a:r>
+              <a:rPr lang="en-US" altLang="zh-TW" sz="5400" b="1" dirty="0" smtClean="0">
+                <a:latin typeface="Microsoft JhengHei" panose="020B0604030504040204" pitchFamily="34" charset="-120"/>
+                <a:ea typeface="Microsoft JhengHei" panose="020B0604030504040204" pitchFamily="34" charset="-120"/>
+              </a:rPr>
+              <a:t>)</a:t>
+            </a:r>
+            <a:endParaRPr lang="en-US" altLang="zh-TW" sz="5400" b="1" dirty="0">
+              <a:latin typeface="Microsoft JhengHei" panose="020B0604030504040204" pitchFamily="34" charset="-120"/>
+              <a:ea typeface="Microsoft JhengHei" panose="020B0604030504040204" pitchFamily="34" charset="-120"/>
+            </a:endParaRPr>
+          </a:p>
+          <a:p>
+            <a:pPr marL="0" indent="0" algn="ctr">
+              <a:buNone/>
+            </a:pPr>
+            <a:r>
+              <a:rPr lang="zh-TW" altLang="en-US" sz="5400" b="1" dirty="0">
+                <a:latin typeface="Microsoft JhengHei" panose="020B0604030504040204" pitchFamily="34" charset="-120"/>
+                <a:ea typeface="Microsoft JhengHei" panose="020B0604030504040204" pitchFamily="34" charset="-120"/>
+              </a:rPr>
+              <a:t>主的愛</a:t>
+            </a:r>
+            <a:r>
+              <a:rPr lang="en-US" altLang="zh-TW" sz="5400" b="1" dirty="0">
+                <a:latin typeface="Microsoft JhengHei" panose="020B0604030504040204" pitchFamily="34" charset="-120"/>
+                <a:ea typeface="Microsoft JhengHei" panose="020B0604030504040204" pitchFamily="34" charset="-120"/>
+              </a:rPr>
+              <a:t>(</a:t>
+            </a:r>
+            <a:r>
+              <a:rPr lang="zh-TW" altLang="en-US" sz="5400" b="1" dirty="0">
+                <a:latin typeface="Microsoft JhengHei" panose="020B0604030504040204" pitchFamily="34" charset="-120"/>
+                <a:ea typeface="Microsoft JhengHei" panose="020B0604030504040204" pitchFamily="34" charset="-120"/>
+              </a:rPr>
+              <a:t>同在頌讚主愛的永恆</a:t>
+            </a:r>
+            <a:r>
+              <a:rPr lang="en-US" altLang="zh-TW" sz="5400" b="1" dirty="0">
+                <a:latin typeface="Microsoft JhengHei" panose="020B0604030504040204" pitchFamily="34" charset="-120"/>
+                <a:ea typeface="Microsoft JhengHei" panose="020B0604030504040204" pitchFamily="34" charset="-120"/>
+              </a:rPr>
+              <a:t>) </a:t>
+            </a:r>
+            <a:endParaRPr lang="en-US" altLang="zh-TW" sz="5400" b="1" dirty="0" smtClean="0">
+              <a:latin typeface="Microsoft JhengHei" panose="020B0604030504040204" pitchFamily="34" charset="-120"/>
+              <a:ea typeface="Microsoft JhengHei" panose="020B0604030504040204" pitchFamily="34" charset="-120"/>
+            </a:endParaRPr>
+          </a:p>
+          <a:p>
+            <a:pPr marL="0" indent="0" algn="ctr">
+              <a:buNone/>
+            </a:pPr>
+            <a:r>
+              <a:rPr lang="zh-TW" altLang="en-US" sz="5400" b="1" dirty="0" smtClean="0">
+                <a:latin typeface="Microsoft JhengHei" panose="020B0604030504040204" pitchFamily="34" charset="-120"/>
+                <a:ea typeface="Microsoft JhengHei" panose="020B0604030504040204" pitchFamily="34" charset="-120"/>
+              </a:rPr>
+              <a:t>天</a:t>
+            </a:r>
+            <a:r>
+              <a:rPr lang="zh-TW" altLang="en-US" sz="5400" b="1" dirty="0">
+                <a:latin typeface="Microsoft JhengHei" panose="020B0604030504040204" pitchFamily="34" charset="-120"/>
+                <a:ea typeface="Microsoft JhengHei" panose="020B0604030504040204" pitchFamily="34" charset="-120"/>
+              </a:rPr>
+              <a:t>天也都頌</a:t>
+            </a:r>
+            <a:r>
+              <a:rPr lang="zh-TW" altLang="en-US" sz="5400" b="1" dirty="0" smtClean="0">
+                <a:latin typeface="Microsoft JhengHei" panose="020B0604030504040204" pitchFamily="34" charset="-120"/>
+                <a:ea typeface="Microsoft JhengHei" panose="020B0604030504040204" pitchFamily="34" charset="-120"/>
+              </a:rPr>
+              <a:t>讚</a:t>
+            </a:r>
+            <a:endParaRPr lang="en-US" altLang="zh-TW" sz="5400" b="1" dirty="0">
+              <a:latin typeface="Microsoft JhengHei" panose="020B0604030504040204" pitchFamily="34" charset="-120"/>
+              <a:ea typeface="Microsoft JhengHei" panose="020B0604030504040204" pitchFamily="34" charset="-120"/>
+            </a:endParaRPr>
+          </a:p>
+          <a:p>
+            <a:pPr marL="0" indent="0" algn="ctr">
+              <a:buNone/>
+            </a:pPr>
+            <a:r>
+              <a:rPr lang="zh-TW" altLang="en-US" sz="5400" b="1" dirty="0">
+                <a:latin typeface="Microsoft JhengHei" panose="020B0604030504040204" pitchFamily="34" charset="-120"/>
+                <a:ea typeface="Microsoft JhengHei" panose="020B0604030504040204" pitchFamily="34" charset="-120"/>
+              </a:rPr>
+              <a:t>主恩典</a:t>
+            </a:r>
+            <a:r>
+              <a:rPr lang="en-US" altLang="zh-TW" sz="5400" b="1" dirty="0">
+                <a:latin typeface="Microsoft JhengHei" panose="020B0604030504040204" pitchFamily="34" charset="-120"/>
+                <a:ea typeface="Microsoft JhengHei" panose="020B0604030504040204" pitchFamily="34" charset="-120"/>
+              </a:rPr>
+              <a:t>(</a:t>
+            </a:r>
+            <a:r>
+              <a:rPr lang="zh-TW" altLang="en-US" sz="5400" b="1" dirty="0">
+                <a:latin typeface="Microsoft JhengHei" panose="020B0604030504040204" pitchFamily="34" charset="-120"/>
+                <a:ea typeface="Microsoft JhengHei" panose="020B0604030504040204" pitchFamily="34" charset="-120"/>
+              </a:rPr>
+              <a:t>慈愛不變</a:t>
+            </a:r>
+            <a:r>
+              <a:rPr lang="en-US" altLang="zh-TW" sz="5400" b="1" dirty="0" smtClean="0">
+                <a:latin typeface="Microsoft JhengHei" panose="020B0604030504040204" pitchFamily="34" charset="-120"/>
+                <a:ea typeface="Microsoft JhengHei" panose="020B0604030504040204" pitchFamily="34" charset="-120"/>
+              </a:rPr>
+              <a:t>)</a:t>
+            </a:r>
+            <a:r>
+              <a:rPr lang="zh-TW" altLang="en-US" sz="5400" b="1" dirty="0">
+                <a:latin typeface="Microsoft JhengHei" panose="020B0604030504040204" pitchFamily="34" charset="-120"/>
+                <a:ea typeface="Microsoft JhengHei" panose="020B0604030504040204" pitchFamily="34" charset="-120"/>
+              </a:rPr>
+              <a:t> </a:t>
+            </a:r>
+            <a:r>
+              <a:rPr lang="zh-TW" altLang="en-US" sz="5400" b="1" dirty="0" smtClean="0">
+                <a:latin typeface="Microsoft JhengHei" panose="020B0604030504040204" pitchFamily="34" charset="-120"/>
+                <a:ea typeface="Microsoft JhengHei" panose="020B0604030504040204" pitchFamily="34" charset="-120"/>
+              </a:rPr>
+              <a:t> 不</a:t>
+            </a:r>
+            <a:r>
+              <a:rPr lang="zh-TW" altLang="en-US" sz="5400" b="1" dirty="0">
+                <a:latin typeface="Microsoft JhengHei" panose="020B0604030504040204" pitchFamily="34" charset="-120"/>
+                <a:ea typeface="Microsoft JhengHei" panose="020B0604030504040204" pitchFamily="34" charset="-120"/>
+              </a:rPr>
+              <a:t>捨棄</a:t>
+            </a:r>
+            <a:r>
+              <a:rPr lang="en-US" altLang="zh-TW" sz="5400" b="1" dirty="0">
+                <a:latin typeface="Microsoft JhengHei" panose="020B0604030504040204" pitchFamily="34" charset="-120"/>
+                <a:ea typeface="Microsoft JhengHei" panose="020B0604030504040204" pitchFamily="34" charset="-120"/>
+              </a:rPr>
+              <a:t>(</a:t>
+            </a:r>
+            <a:r>
+              <a:rPr lang="zh-TW" altLang="en-US" sz="5400" b="1" dirty="0">
+                <a:latin typeface="Microsoft JhengHei" panose="020B0604030504040204" pitchFamily="34" charset="-120"/>
+                <a:ea typeface="Microsoft JhengHei" panose="020B0604030504040204" pitchFamily="34" charset="-120"/>
+              </a:rPr>
+              <a:t>憑著信念</a:t>
+            </a:r>
+            <a:r>
+              <a:rPr lang="en-US" altLang="zh-TW" sz="5400" b="1" dirty="0" smtClean="0">
+                <a:latin typeface="Microsoft JhengHei" panose="020B0604030504040204" pitchFamily="34" charset="-120"/>
+                <a:ea typeface="Microsoft JhengHei" panose="020B0604030504040204" pitchFamily="34" charset="-120"/>
+              </a:rPr>
+              <a:t>)</a:t>
+            </a:r>
+            <a:endParaRPr lang="en-US" altLang="zh-TW" sz="5400" b="1" dirty="0">
+              <a:latin typeface="Microsoft JhengHei" panose="020B0604030504040204" pitchFamily="34" charset="-120"/>
+              <a:ea typeface="Microsoft JhengHei" panose="020B0604030504040204" pitchFamily="34" charset="-120"/>
+            </a:endParaRPr>
+          </a:p>
+          <a:p>
+            <a:pPr marL="0" indent="0" algn="ctr">
+              <a:buNone/>
+            </a:pPr>
+            <a:r>
+              <a:rPr lang="zh-TW" altLang="en-US" sz="5400" b="1" dirty="0">
+                <a:latin typeface="Microsoft JhengHei" panose="020B0604030504040204" pitchFamily="34" charset="-120"/>
+                <a:ea typeface="Microsoft JhengHei" panose="020B0604030504040204" pitchFamily="34" charset="-120"/>
+              </a:rPr>
+              <a:t>主的愛</a:t>
+            </a:r>
+            <a:r>
+              <a:rPr lang="en-US" altLang="zh-TW" sz="5400" b="1" dirty="0">
+                <a:latin typeface="Microsoft JhengHei" panose="020B0604030504040204" pitchFamily="34" charset="-120"/>
+                <a:ea typeface="Microsoft JhengHei" panose="020B0604030504040204" pitchFamily="34" charset="-120"/>
+              </a:rPr>
+              <a:t>(</a:t>
+            </a:r>
+            <a:r>
+              <a:rPr lang="zh-TW" altLang="en-US" sz="5400" b="1" dirty="0">
+                <a:latin typeface="Microsoft JhengHei" panose="020B0604030504040204" pitchFamily="34" charset="-120"/>
+                <a:ea typeface="Microsoft JhengHei" panose="020B0604030504040204" pitchFamily="34" charset="-120"/>
+              </a:rPr>
+              <a:t>同在頌讚主的愛</a:t>
+            </a:r>
+            <a:r>
+              <a:rPr lang="en-US" altLang="zh-TW" sz="5400" b="1" dirty="0" smtClean="0">
+                <a:latin typeface="Microsoft JhengHei" panose="020B0604030504040204" pitchFamily="34" charset="-120"/>
+                <a:ea typeface="Microsoft JhengHei" panose="020B0604030504040204" pitchFamily="34" charset="-120"/>
+              </a:rPr>
+              <a:t>)</a:t>
+            </a:r>
+            <a:r>
+              <a:rPr lang="zh-TW" altLang="en-US" sz="5400" b="1" dirty="0">
+                <a:latin typeface="Microsoft JhengHei" panose="020B0604030504040204" pitchFamily="34" charset="-120"/>
+                <a:ea typeface="Microsoft JhengHei" panose="020B0604030504040204" pitchFamily="34" charset="-120"/>
+              </a:rPr>
+              <a:t> </a:t>
+            </a:r>
+            <a:r>
+              <a:rPr lang="zh-TW" altLang="en-US" sz="5400" b="1" dirty="0" smtClean="0">
+                <a:latin typeface="Microsoft JhengHei" panose="020B0604030504040204" pitchFamily="34" charset="-120"/>
+                <a:ea typeface="Microsoft JhengHei" panose="020B0604030504040204" pitchFamily="34" charset="-120"/>
+              </a:rPr>
+              <a:t> 捨</a:t>
+            </a:r>
+            <a:r>
+              <a:rPr lang="zh-TW" altLang="en-US" sz="5400" b="1" dirty="0">
+                <a:latin typeface="Microsoft JhengHei" panose="020B0604030504040204" pitchFamily="34" charset="-120"/>
+                <a:ea typeface="Microsoft JhengHei" panose="020B0604030504040204" pitchFamily="34" charset="-120"/>
+              </a:rPr>
+              <a:t>己救</a:t>
+            </a:r>
+            <a:r>
+              <a:rPr lang="zh-TW" altLang="en-US" sz="5400" b="1" dirty="0" smtClean="0">
+                <a:latin typeface="Microsoft JhengHei" panose="020B0604030504040204" pitchFamily="34" charset="-120"/>
+                <a:ea typeface="Microsoft JhengHei" panose="020B0604030504040204" pitchFamily="34" charset="-120"/>
+              </a:rPr>
+              <a:t>贖</a:t>
+            </a:r>
+            <a:endParaRPr lang="en-US" altLang="zh-CN" sz="5400" b="1" dirty="0">
+              <a:latin typeface="Microsoft JhengHei" panose="020B0604030504040204" pitchFamily="34" charset="-120"/>
+              <a:ea typeface="Microsoft JhengHei" panose="020B0604030504040204" pitchFamily="34" charset="-120"/>
+            </a:endParaRPr>
+          </a:p>
+        </p:txBody>
+      </p:sp>
+    </p:spTree>
+    <p:extLst>
+      <p:ext uri="{BB962C8B-B14F-4D97-AF65-F5344CB8AC3E}">
+        <p14:creationId xmlns:p14="http://schemas.microsoft.com/office/powerpoint/2010/main" xmlns="" val="3797771850"/>
+      </p:ext>
+    </p:extLst>
+  </p:cSld>
+  <p:clrMapOvr>
+    <a:masterClrMapping/>
+  </p:clrMapOvr>
+  <p:timing>
+    <p:tnLst>
+      <p:par>
+        <p:cTn id="1" dur="indefinite" restart="never" nodeType="tmRoot"/>
+      </p:par>
+    </p:tnLst>
+  </p:timing>
 </p:sld>
 </file>
 
@@ -3899,7 +4179,7 @@
   <a:extraClrSchemeLst/>
   <a:extLst>
     <a:ext uri="{05A4C25C-085E-4340-85A3-A5531E510DB2}">
-      <thm15:themeFamily xmlns:thm15="http://schemas.microsoft.com/office/thememl/2012/main" name="Theme1" id="{AFC7C034-021A-479F-A5B0-F4AE2AC2A6F8}" vid="{E4B01A5C-7C0B-4AB8-8973-047186F18E30}"/>
+      <thm15:themeFamily xmlns:thm15="http://schemas.microsoft.com/office/thememl/2012/main" xmlns="" name="Theme1" id="{AFC7C034-021A-479F-A5B0-F4AE2AC2A6F8}" vid="{E4B01A5C-7C0B-4AB8-8973-047186F18E30}"/>
     </a:ext>
   </a:extLst>
 </a:theme>
